--- a/fuentes/contenidos/grado06/guion01/MC LE_06_01_CO.pptx
+++ b/fuentes/contenidos/grado06/guion01/MC LE_06_01_CO.pptx
@@ -461,7 +461,7 @@
           <a:p>
             <a:fld id="{5001C876-01F7-4317-94B9-1AE222133113}" type="datetimeFigureOut">
               <a:rPr lang="es-ES" smtClean="0"/>
-              <a:t>09/09/2015</a:t>
+              <a:t>11/09/2015</a:t>
             </a:fld>
             <a:endParaRPr lang="es-ES"/>
           </a:p>
